--- a/Határidő napló Bemutató.pptx
+++ b/Határidő napló Bemutató.pptx
@@ -10,6 +10,9 @@
     <p:sldId id="259" r:id="rId4"/>
     <p:sldId id="262" r:id="rId5"/>
     <p:sldId id="263" r:id="rId6"/>
+    <p:sldId id="256" r:id="rId7"/>
+    <p:sldId id="264" r:id="rId8"/>
+    <p:sldId id="258" r:id="rId9"/>
   </p:sldIdLst>
   <p:sldSz cx="12192000" cy="6858000"/>
   <p:notesSz cx="6858000" cy="9144000"/>
@@ -6739,6 +6742,313 @@
 </p:sld>
 </file>
 
+<file path=ppt/slides/slide6.xml><?xml version="1.0" encoding="utf-8"?>
+<p:sld xmlns:a="http://schemas.openxmlformats.org/drawingml/2006/main" xmlns:r="http://schemas.openxmlformats.org/officeDocument/2006/relationships" xmlns:p="http://schemas.openxmlformats.org/presentationml/2006/main">
+  <p:cSld>
+    <p:spTree>
+      <p:nvGrpSpPr>
+        <p:cNvPr id="1" name=""/>
+        <p:cNvGrpSpPr/>
+        <p:nvPr/>
+      </p:nvGrpSpPr>
+      <p:grpSpPr>
+        <a:xfrm>
+          <a:off x="0" y="0"/>
+          <a:ext cx="0" cy="0"/>
+          <a:chOff x="0" y="0"/>
+          <a:chExt cx="0" cy="0"/>
+        </a:xfrm>
+      </p:grpSpPr>
+      <p:sp>
+        <p:nvSpPr>
+          <p:cNvPr id="3" name="Alcím 2">
+            <a:extLst>
+              <a:ext uri="{FF2B5EF4-FFF2-40B4-BE49-F238E27FC236}">
+                <a16:creationId xmlns:a16="http://schemas.microsoft.com/office/drawing/2014/main" id="{9B465404-678E-ADF1-E8BA-A2ED46A425AA}"/>
+              </a:ext>
+            </a:extLst>
+          </p:cNvPr>
+          <p:cNvSpPr>
+            <a:spLocks noGrp="1"/>
+          </p:cNvSpPr>
+          <p:nvPr>
+            <p:ph type="subTitle" idx="1"/>
+          </p:nvPr>
+        </p:nvSpPr>
+        <p:spPr>
+          <a:xfrm>
+            <a:off x="1524000" y="1901413"/>
+            <a:ext cx="9144000" cy="1655762"/>
+          </a:xfrm>
+        </p:spPr>
+        <p:txBody>
+          <a:bodyPr>
+            <a:normAutofit/>
+          </a:bodyPr>
+          <a:lstStyle/>
+          <a:p>
+            <a:pPr algn="ctr"/>
+            <a:r>
+              <a:rPr lang="hu-HU" sz="4000" dirty="0">
+                <a:solidFill>
+                  <a:schemeClr val="bg1">
+                    <a:lumMod val="95000"/>
+                  </a:schemeClr>
+                </a:solidFill>
+              </a:rPr>
+              <a:t>Az én részem a feladatban:</a:t>
+            </a:r>
+            <a:r>
+              <a:rPr lang="hu-HU" sz="4000" dirty="0"/>
+              <a:t> </a:t>
+            </a:r>
+          </a:p>
+        </p:txBody>
+      </p:sp>
+      <p:pic>
+        <p:nvPicPr>
+          <p:cNvPr id="5" name="Kép 4">
+            <a:extLst>
+              <a:ext uri="{FF2B5EF4-FFF2-40B4-BE49-F238E27FC236}">
+                <a16:creationId xmlns:a16="http://schemas.microsoft.com/office/drawing/2014/main" id="{577E4151-5BBF-5EA1-65FB-131B1998B349}"/>
+              </a:ext>
+            </a:extLst>
+          </p:cNvPr>
+          <p:cNvPicPr>
+            <a:picLocks noChangeAspect="1"/>
+          </p:cNvPicPr>
+          <p:nvPr/>
+        </p:nvPicPr>
+        <p:blipFill>
+          <a:blip r:embed="rId2"/>
+          <a:stretch>
+            <a:fillRect/>
+          </a:stretch>
+        </p:blipFill>
+        <p:spPr>
+          <a:xfrm>
+            <a:off x="404287" y="3333259"/>
+            <a:ext cx="11561429" cy="718010"/>
+          </a:xfrm>
+          <a:prstGeom prst="rect">
+            <a:avLst/>
+          </a:prstGeom>
+        </p:spPr>
+      </p:pic>
+    </p:spTree>
+    <p:extLst>
+      <p:ext uri="{BB962C8B-B14F-4D97-AF65-F5344CB8AC3E}">
+        <p14:creationId xmlns:p14="http://schemas.microsoft.com/office/powerpoint/2010/main" val="3237150419"/>
+      </p:ext>
+    </p:extLst>
+  </p:cSld>
+  <p:clrMapOvr>
+    <a:masterClrMapping/>
+  </p:clrMapOvr>
+</p:sld>
+</file>
+
+<file path=ppt/slides/slide7.xml><?xml version="1.0" encoding="utf-8"?>
+<p:sld xmlns:a="http://schemas.openxmlformats.org/drawingml/2006/main" xmlns:r="http://schemas.openxmlformats.org/officeDocument/2006/relationships" xmlns:p="http://schemas.openxmlformats.org/presentationml/2006/main">
+  <p:cSld>
+    <p:spTree>
+      <p:nvGrpSpPr>
+        <p:cNvPr id="1" name=""/>
+        <p:cNvGrpSpPr/>
+        <p:nvPr/>
+      </p:nvGrpSpPr>
+      <p:grpSpPr>
+        <a:xfrm>
+          <a:off x="0" y="0"/>
+          <a:ext cx="0" cy="0"/>
+          <a:chOff x="0" y="0"/>
+          <a:chExt cx="0" cy="0"/>
+        </a:xfrm>
+      </p:grpSpPr>
+      <p:pic>
+        <p:nvPicPr>
+          <p:cNvPr id="7" name="Kép 6">
+            <a:extLst>
+              <a:ext uri="{FF2B5EF4-FFF2-40B4-BE49-F238E27FC236}">
+                <a16:creationId xmlns:a16="http://schemas.microsoft.com/office/drawing/2014/main" id="{7D56C4A0-A5C5-134B-4C75-70F6BC29897E}"/>
+              </a:ext>
+            </a:extLst>
+          </p:cNvPr>
+          <p:cNvPicPr>
+            <a:picLocks noChangeAspect="1"/>
+          </p:cNvPicPr>
+          <p:nvPr/>
+        </p:nvPicPr>
+        <p:blipFill>
+          <a:blip r:embed="rId2"/>
+          <a:stretch>
+            <a:fillRect/>
+          </a:stretch>
+        </p:blipFill>
+        <p:spPr>
+          <a:xfrm>
+            <a:off x="556592" y="569595"/>
+            <a:ext cx="11139778" cy="3230534"/>
+          </a:xfrm>
+          <a:prstGeom prst="rect">
+            <a:avLst/>
+          </a:prstGeom>
+        </p:spPr>
+      </p:pic>
+      <p:sp>
+        <p:nvSpPr>
+          <p:cNvPr id="3" name="Tartalom helye 2">
+            <a:extLst>
+              <a:ext uri="{FF2B5EF4-FFF2-40B4-BE49-F238E27FC236}">
+                <a16:creationId xmlns:a16="http://schemas.microsoft.com/office/drawing/2014/main" id="{E4FD53D9-CF4E-0442-1CD8-8F4954C3EF04}"/>
+              </a:ext>
+            </a:extLst>
+          </p:cNvPr>
+          <p:cNvSpPr>
+            <a:spLocks noGrp="1"/>
+          </p:cNvSpPr>
+          <p:nvPr>
+            <p:ph idx="1"/>
+          </p:nvPr>
+        </p:nvSpPr>
+        <p:spPr>
+          <a:xfrm>
+            <a:off x="556592" y="4230094"/>
+            <a:ext cx="11139778" cy="1800164"/>
+          </a:xfrm>
+        </p:spPr>
+        <p:txBody>
+          <a:bodyPr anchor="t">
+            <a:noAutofit/>
+          </a:bodyPr>
+          <a:lstStyle/>
+          <a:p>
+            <a:r>
+              <a:rPr lang="hu-HU" sz="2400" dirty="0"/>
+              <a:t>A </a:t>
+            </a:r>
+            <a:r>
+              <a:rPr lang="hu-HU" sz="2400" dirty="0" err="1"/>
+              <a:t>hataridonaplo_kiir</a:t>
+            </a:r>
+            <a:r>
+              <a:rPr lang="hu-HU" sz="2400" dirty="0"/>
+              <a:t> függvény célja, hogy megjelenítse a határidőnapló tartalmát táblázatos formában a felhasználó számára. Ez egy vizuálisan jól átláthatóságot nyújt az egyes napokon és órákban rögzített bejegyzésekről.</a:t>
+            </a:r>
+          </a:p>
+        </p:txBody>
+      </p:sp>
+    </p:spTree>
+    <p:extLst>
+      <p:ext uri="{BB962C8B-B14F-4D97-AF65-F5344CB8AC3E}">
+        <p14:creationId xmlns:p14="http://schemas.microsoft.com/office/powerpoint/2010/main" val="3611259947"/>
+      </p:ext>
+    </p:extLst>
+  </p:cSld>
+  <p:clrMapOvr>
+    <a:masterClrMapping/>
+  </p:clrMapOvr>
+</p:sld>
+</file>
+
+<file path=ppt/slides/slide8.xml><?xml version="1.0" encoding="utf-8"?>
+<p:sld xmlns:a="http://schemas.openxmlformats.org/drawingml/2006/main" xmlns:r="http://schemas.openxmlformats.org/officeDocument/2006/relationships" xmlns:p="http://schemas.openxmlformats.org/presentationml/2006/main">
+  <p:cSld>
+    <p:spTree>
+      <p:nvGrpSpPr>
+        <p:cNvPr id="1" name=""/>
+        <p:cNvGrpSpPr/>
+        <p:nvPr/>
+      </p:nvGrpSpPr>
+      <p:grpSpPr>
+        <a:xfrm>
+          <a:off x="0" y="0"/>
+          <a:ext cx="0" cy="0"/>
+          <a:chOff x="0" y="0"/>
+          <a:chExt cx="0" cy="0"/>
+        </a:xfrm>
+      </p:grpSpPr>
+      <p:pic>
+        <p:nvPicPr>
+          <p:cNvPr id="5" name="Kép 4">
+            <a:extLst>
+              <a:ext uri="{FF2B5EF4-FFF2-40B4-BE49-F238E27FC236}">
+                <a16:creationId xmlns:a16="http://schemas.microsoft.com/office/drawing/2014/main" id="{C0BDFF65-7664-B915-F4D4-15139E0B1AE2}"/>
+              </a:ext>
+            </a:extLst>
+          </p:cNvPr>
+          <p:cNvPicPr>
+            <a:picLocks noChangeAspect="1"/>
+          </p:cNvPicPr>
+          <p:nvPr/>
+        </p:nvPicPr>
+        <p:blipFill>
+          <a:blip r:embed="rId2"/>
+          <a:srcRect r="3449" b="-3"/>
+          <a:stretch/>
+        </p:blipFill>
+        <p:spPr>
+          <a:xfrm>
+            <a:off x="6629625" y="109541"/>
+            <a:ext cx="4903456" cy="6638917"/>
+          </a:xfrm>
+          <a:prstGeom prst="rect">
+            <a:avLst/>
+          </a:prstGeom>
+        </p:spPr>
+      </p:pic>
+      <p:sp>
+        <p:nvSpPr>
+          <p:cNvPr id="3" name="Tartalom helye 2">
+            <a:extLst>
+              <a:ext uri="{FF2B5EF4-FFF2-40B4-BE49-F238E27FC236}">
+                <a16:creationId xmlns:a16="http://schemas.microsoft.com/office/drawing/2014/main" id="{949B1BFE-68F9-FAA7-848B-ECAA660F0E20}"/>
+              </a:ext>
+            </a:extLst>
+          </p:cNvPr>
+          <p:cNvSpPr>
+            <a:spLocks noGrp="1"/>
+          </p:cNvSpPr>
+          <p:nvPr>
+            <p:ph idx="1"/>
+          </p:nvPr>
+        </p:nvSpPr>
+        <p:spPr>
+          <a:xfrm>
+            <a:off x="734856" y="1440426"/>
+            <a:ext cx="5818344" cy="3811740"/>
+          </a:xfrm>
+        </p:spPr>
+        <p:txBody>
+          <a:bodyPr anchor="ctr">
+            <a:normAutofit/>
+          </a:bodyPr>
+          <a:lstStyle/>
+          <a:p>
+            <a:r>
+              <a:rPr lang="hu-HU" sz="2400" dirty="0">
+                <a:solidFill>
+                  <a:srgbClr val="FFFFFF"/>
+                </a:solidFill>
+              </a:rPr>
+              <a:t>A fut függvény a határidőnapló fő funkcióit valósítja meg. Ez a függvény kezeli a felhasználói interakciókat és vezérli az alkalmazás működését a felhasználói választások alapján.</a:t>
+            </a:r>
+          </a:p>
+        </p:txBody>
+      </p:sp>
+    </p:spTree>
+    <p:extLst>
+      <p:ext uri="{BB962C8B-B14F-4D97-AF65-F5344CB8AC3E}">
+        <p14:creationId xmlns:p14="http://schemas.microsoft.com/office/powerpoint/2010/main" val="4204206992"/>
+      </p:ext>
+    </p:extLst>
+  </p:cSld>
+  <p:clrMapOvr>
+    <a:masterClrMapping/>
+  </p:clrMapOvr>
+</p:sld>
+</file>
+
 <file path=ppt/theme/theme1.xml><?xml version="1.0" encoding="utf-8"?>
 <a:theme xmlns:a="http://schemas.openxmlformats.org/drawingml/2006/main" name="Égi">
   <a:themeElements>
